--- a/2024quiz/quiz.pptx
+++ b/2024quiz/quiz.pptx
@@ -3620,8 +3620,8 @@
           <a:lstStyle/>
           <a:p>
             <a:r>
-              <a:rPr lang="ja-JP" altLang="en-US" dirty="0"/>
-              <a:t>融合学域クイズ</a:t>
+              <a:rPr lang="ja-JP" altLang="en-US"/>
+              <a:t>あああ</a:t>
             </a:r>
             <a:endParaRPr kumimoji="1" lang="ja-JP" altLang="en-US" dirty="0"/>
           </a:p>

--- a/2024quiz/quiz.pptx
+++ b/2024quiz/quiz.pptx
@@ -3621,7 +3621,7 @@
           <a:p>
             <a:r>
               <a:rPr lang="ja-JP" altLang="en-US"/>
-              <a:t>あああ</a:t>
+              <a:t>ああああああ</a:t>
             </a:r>
             <a:endParaRPr kumimoji="1" lang="ja-JP" altLang="en-US" dirty="0"/>
           </a:p>

--- a/2024quiz/quiz.pptx
+++ b/2024quiz/quiz.pptx
@@ -3621,7 +3621,7 @@
           <a:p>
             <a:r>
               <a:rPr lang="ja-JP" altLang="en-US"/>
-              <a:t>あああ</a:t>
+              <a:t>あああああ</a:t>
             </a:r>
             <a:endParaRPr kumimoji="1" lang="ja-JP" altLang="en-US" dirty="0"/>
           </a:p>

--- a/2024quiz/quiz.pptx
+++ b/2024quiz/quiz.pptx
@@ -3620,8 +3620,16 @@
           <a:lstStyle/>
           <a:p>
             <a:r>
+              <a:rPr lang="ja-JP" altLang="en-US" dirty="0"/>
+              <a:t>ああ </a:t>
+            </a:r>
+            <a:r>
+              <a:rPr lang="en-US" altLang="ja-JP"/>
+              <a:t>vv</a:t>
+            </a:r>
+            <a:r>
               <a:rPr lang="ja-JP" altLang="en-US"/>
-              <a:t>ああああああ</a:t>
+              <a:t>ああああ</a:t>
             </a:r>
             <a:endParaRPr kumimoji="1" lang="ja-JP" altLang="en-US" dirty="0"/>
           </a:p>

--- a/2024quiz/quiz.pptx
+++ b/2024quiz/quiz.pptx
@@ -3625,11 +3625,11 @@
             </a:r>
             <a:r>
               <a:rPr lang="en-US" altLang="ja-JP"/>
-              <a:t>vv</a:t>
+              <a:t>v</a:t>
             </a:r>
             <a:r>
               <a:rPr lang="ja-JP" altLang="en-US"/>
-              <a:t>ああああ</a:t>
+              <a:t>あああ</a:t>
             </a:r>
             <a:endParaRPr kumimoji="1" lang="ja-JP" altLang="en-US" dirty="0"/>
           </a:p>

--- a/2024quiz/quiz.pptx
+++ b/2024quiz/quiz.pptx
@@ -3620,15 +3620,15 @@
           <a:lstStyle/>
           <a:p>
             <a:r>
+              <a:rPr lang="ja-JP" altLang="en-US"/>
+              <a:t> </a:t>
+            </a:r>
+            <a:r>
+              <a:rPr lang="en-US" altLang="ja-JP" dirty="0" err="1"/>
+              <a:t>vv</a:t>
+            </a:r>
+            <a:r>
               <a:rPr lang="ja-JP" altLang="en-US" dirty="0"/>
-              <a:t>ああ </a:t>
-            </a:r>
-            <a:r>
-              <a:rPr lang="en-US" altLang="ja-JP"/>
-              <a:t>vv</a:t>
-            </a:r>
-            <a:r>
-              <a:rPr lang="ja-JP" altLang="en-US"/>
               <a:t>ああああ</a:t>
             </a:r>
             <a:endParaRPr kumimoji="1" lang="ja-JP" altLang="en-US" dirty="0"/>

--- a/2024quiz/quiz.pptx
+++ b/2024quiz/quiz.pptx
@@ -3620,15 +3620,15 @@
           <a:lstStyle/>
           <a:p>
             <a:r>
+              <a:rPr lang="ja-JP" altLang="en-US"/>
+              <a:t> </a:t>
+            </a:r>
+            <a:r>
+              <a:rPr lang="en-US" altLang="ja-JP" dirty="0"/>
+              <a:t>v</a:t>
+            </a:r>
+            <a:r>
               <a:rPr lang="ja-JP" altLang="en-US" dirty="0"/>
-              <a:t>ああ </a:t>
-            </a:r>
-            <a:r>
-              <a:rPr lang="en-US" altLang="ja-JP"/>
-              <a:t>v</a:t>
-            </a:r>
-            <a:r>
-              <a:rPr lang="ja-JP" altLang="en-US"/>
               <a:t>あああ</a:t>
             </a:r>
             <a:endParaRPr kumimoji="1" lang="ja-JP" altLang="en-US" dirty="0"/>

--- a/2024quiz/quiz.pptx
+++ b/2024quiz/quiz.pptx
@@ -3620,7 +3620,7 @@
           <a:lstStyle/>
           <a:p>
             <a:r>
-              <a:rPr lang="ja-JP" altLang="en-US"/>
+              <a:rPr lang="ja-JP" altLang="en-US" dirty="0"/>
               <a:t> </a:t>
             </a:r>
             <a:r>
@@ -3629,7 +3629,15 @@
             </a:r>
             <a:r>
               <a:rPr lang="ja-JP" altLang="en-US" dirty="0"/>
-              <a:t>あああ</a:t>
+              <a:t>ああ</a:t>
+            </a:r>
+            <a:r>
+              <a:rPr lang="en-US" altLang="ja-JP"/>
+              <a:t>dda</a:t>
+            </a:r>
+            <a:r>
+              <a:rPr lang="ja-JP" altLang="en-US"/>
+              <a:t>あ</a:t>
             </a:r>
             <a:endParaRPr kumimoji="1" lang="ja-JP" altLang="en-US" dirty="0"/>
           </a:p>

--- a/2024quiz/quiz.pptx
+++ b/2024quiz/quiz.pptx
@@ -275,7 +275,7 @@
           <a:p>
             <a:fld id="{2395C5C9-164C-46B3-A87E-7660D39D3106}" type="datetime2">
               <a:rPr lang="en-US" smtClean="0"/>
-              <a:t>Monday, July 29, 2024</a:t>
+              <a:t>Tuesday, July 30, 2024</a:t>
             </a:fld>
             <a:endParaRPr lang="en-US" dirty="0"/>
           </a:p>
@@ -478,7 +478,7 @@
           <a:p>
             <a:fld id="{5B75179A-1E2B-41AB-B400-4F1B4022FAEE}" type="datetime2">
               <a:rPr lang="en-US" smtClean="0"/>
-              <a:t>Monday, July 29, 2024</a:t>
+              <a:t>Tuesday, July 30, 2024</a:t>
             </a:fld>
             <a:endParaRPr lang="en-US"/>
           </a:p>
@@ -691,7 +691,7 @@
           <a:p>
             <a:fld id="{05681D0F-6595-4F14-8EF3-954CD87C797B}" type="datetime2">
               <a:rPr lang="en-US" smtClean="0"/>
-              <a:t>Monday, July 29, 2024</a:t>
+              <a:t>Tuesday, July 30, 2024</a:t>
             </a:fld>
             <a:endParaRPr lang="en-US"/>
           </a:p>
@@ -893,7 +893,7 @@
           <a:p>
             <a:fld id="{4DDCFF8A-AAF8-4A12-8A91-9CA0EAF6CBB9}" type="datetime2">
               <a:rPr lang="en-US" smtClean="0"/>
-              <a:t>Monday, July 29, 2024</a:t>
+              <a:t>Tuesday, July 30, 2024</a:t>
             </a:fld>
             <a:endParaRPr lang="en-US" dirty="0"/>
           </a:p>
@@ -1172,7 +1172,7 @@
           <a:p>
             <a:fld id="{ABCC25C3-021A-4B0B-8F70-0C181FE1CF45}" type="datetime2">
               <a:rPr lang="en-US" smtClean="0"/>
-              <a:t>Monday, July 29, 2024</a:t>
+              <a:t>Tuesday, July 30, 2024</a:t>
             </a:fld>
             <a:endParaRPr lang="en-US"/>
           </a:p>
@@ -1432,7 +1432,7 @@
           <a:p>
             <a:fld id="{0C23D88D-8CEC-4ED9-A53B-5596187D9A16}" type="datetime2">
               <a:rPr lang="en-US" smtClean="0"/>
-              <a:t>Monday, July 29, 2024</a:t>
+              <a:t>Tuesday, July 30, 2024</a:t>
             </a:fld>
             <a:endParaRPr lang="en-US"/>
           </a:p>
@@ -1848,7 +1848,7 @@
           <a:p>
             <a:fld id="{D2CCD382-DFDA-4722-A27A-59C21AD112F2}" type="datetime2">
               <a:rPr lang="en-US" smtClean="0"/>
-              <a:t>Monday, July 29, 2024</a:t>
+              <a:t>Tuesday, July 30, 2024</a:t>
             </a:fld>
             <a:endParaRPr lang="en-US"/>
           </a:p>
@@ -1993,7 +1993,7 @@
           <a:p>
             <a:fld id="{22F2A30D-1C09-413F-AAB1-38F366000715}" type="datetime2">
               <a:rPr lang="en-US" smtClean="0"/>
-              <a:t>Monday, July 29, 2024</a:t>
+              <a:t>Tuesday, July 30, 2024</a:t>
             </a:fld>
             <a:endParaRPr lang="en-US"/>
           </a:p>
@@ -2115,7 +2115,7 @@
           <a:p>
             <a:fld id="{6DB82B9C-D65E-4F64-95C3-B10F3B00F0D9}" type="datetime2">
               <a:rPr lang="en-US" smtClean="0"/>
-              <a:t>Monday, July 29, 2024</a:t>
+              <a:t>Tuesday, July 30, 2024</a:t>
             </a:fld>
             <a:endParaRPr lang="en-US"/>
           </a:p>
@@ -2438,7 +2438,7 @@
           <a:p>
             <a:fld id="{B7F5FDCC-6AAC-4A08-B9E0-3793AB5E64C3}" type="datetime2">
               <a:rPr lang="en-US" smtClean="0"/>
-              <a:t>Monday, July 29, 2024</a:t>
+              <a:t>Tuesday, July 30, 2024</a:t>
             </a:fld>
             <a:endParaRPr lang="en-US"/>
           </a:p>
@@ -2726,7 +2726,7 @@
           <a:p>
             <a:fld id="{349FE94D-439C-40F1-900E-BC07940E3988}" type="datetime2">
               <a:rPr lang="en-US" smtClean="0"/>
-              <a:t>Monday, July 29, 2024</a:t>
+              <a:t>Tuesday, July 30, 2024</a:t>
             </a:fld>
             <a:endParaRPr lang="en-US"/>
           </a:p>
@@ -3010,7 +3010,7 @@
           <a:p>
             <a:fld id="{8DEA2CF1-0EB2-4673-802D-3371233E4A77}" type="datetime2">
               <a:rPr lang="en-US" smtClean="0"/>
-              <a:t>Monday, July 29, 2024</a:t>
+              <a:t>Tuesday, July 30, 2024</a:t>
             </a:fld>
             <a:endParaRPr lang="en-US" dirty="0"/>
           </a:p>
@@ -3620,7 +3620,7 @@
           <a:lstStyle/>
           <a:p>
             <a:r>
-              <a:rPr lang="ja-JP" altLang="en-US"/>
+              <a:rPr lang="ja-JP" altLang="en-US" dirty="0"/>
               <a:t> </a:t>
             </a:r>
             <a:r>
@@ -3629,7 +3629,15 @@
             </a:r>
             <a:r>
               <a:rPr lang="ja-JP" altLang="en-US" dirty="0"/>
-              <a:t>あああ</a:t>
+              <a:t>あ</a:t>
+            </a:r>
+            <a:r>
+              <a:rPr lang="en-US" altLang="ja-JP"/>
+              <a:t>aa</a:t>
+            </a:r>
+            <a:r>
+              <a:rPr lang="ja-JP" altLang="en-US"/>
+              <a:t>ああ</a:t>
             </a:r>
             <a:endParaRPr kumimoji="1" lang="ja-JP" altLang="en-US" dirty="0"/>
           </a:p>

--- a/2024quiz/quiz.pptx
+++ b/2024quiz/quiz.pptx
@@ -275,7 +275,7 @@
           <a:p>
             <a:fld id="{2395C5C9-164C-46B3-A87E-7660D39D3106}" type="datetime2">
               <a:rPr lang="en-US" smtClean="0"/>
-              <a:t>Monday, July 29, 2024</a:t>
+              <a:t>Tuesday, July 30, 2024</a:t>
             </a:fld>
             <a:endParaRPr lang="en-US" dirty="0"/>
           </a:p>
@@ -478,7 +478,7 @@
           <a:p>
             <a:fld id="{5B75179A-1E2B-41AB-B400-4F1B4022FAEE}" type="datetime2">
               <a:rPr lang="en-US" smtClean="0"/>
-              <a:t>Monday, July 29, 2024</a:t>
+              <a:t>Tuesday, July 30, 2024</a:t>
             </a:fld>
             <a:endParaRPr lang="en-US"/>
           </a:p>
@@ -691,7 +691,7 @@
           <a:p>
             <a:fld id="{05681D0F-6595-4F14-8EF3-954CD87C797B}" type="datetime2">
               <a:rPr lang="en-US" smtClean="0"/>
-              <a:t>Monday, July 29, 2024</a:t>
+              <a:t>Tuesday, July 30, 2024</a:t>
             </a:fld>
             <a:endParaRPr lang="en-US"/>
           </a:p>
@@ -893,7 +893,7 @@
           <a:p>
             <a:fld id="{4DDCFF8A-AAF8-4A12-8A91-9CA0EAF6CBB9}" type="datetime2">
               <a:rPr lang="en-US" smtClean="0"/>
-              <a:t>Monday, July 29, 2024</a:t>
+              <a:t>Tuesday, July 30, 2024</a:t>
             </a:fld>
             <a:endParaRPr lang="en-US" dirty="0"/>
           </a:p>
@@ -1172,7 +1172,7 @@
           <a:p>
             <a:fld id="{ABCC25C3-021A-4B0B-8F70-0C181FE1CF45}" type="datetime2">
               <a:rPr lang="en-US" smtClean="0"/>
-              <a:t>Monday, July 29, 2024</a:t>
+              <a:t>Tuesday, July 30, 2024</a:t>
             </a:fld>
             <a:endParaRPr lang="en-US"/>
           </a:p>
@@ -1432,7 +1432,7 @@
           <a:p>
             <a:fld id="{0C23D88D-8CEC-4ED9-A53B-5596187D9A16}" type="datetime2">
               <a:rPr lang="en-US" smtClean="0"/>
-              <a:t>Monday, July 29, 2024</a:t>
+              <a:t>Tuesday, July 30, 2024</a:t>
             </a:fld>
             <a:endParaRPr lang="en-US"/>
           </a:p>
@@ -1848,7 +1848,7 @@
           <a:p>
             <a:fld id="{D2CCD382-DFDA-4722-A27A-59C21AD112F2}" type="datetime2">
               <a:rPr lang="en-US" smtClean="0"/>
-              <a:t>Monday, July 29, 2024</a:t>
+              <a:t>Tuesday, July 30, 2024</a:t>
             </a:fld>
             <a:endParaRPr lang="en-US"/>
           </a:p>
@@ -1993,7 +1993,7 @@
           <a:p>
             <a:fld id="{22F2A30D-1C09-413F-AAB1-38F366000715}" type="datetime2">
               <a:rPr lang="en-US" smtClean="0"/>
-              <a:t>Monday, July 29, 2024</a:t>
+              <a:t>Tuesday, July 30, 2024</a:t>
             </a:fld>
             <a:endParaRPr lang="en-US"/>
           </a:p>
@@ -2115,7 +2115,7 @@
           <a:p>
             <a:fld id="{6DB82B9C-D65E-4F64-95C3-B10F3B00F0D9}" type="datetime2">
               <a:rPr lang="en-US" smtClean="0"/>
-              <a:t>Monday, July 29, 2024</a:t>
+              <a:t>Tuesday, July 30, 2024</a:t>
             </a:fld>
             <a:endParaRPr lang="en-US"/>
           </a:p>
@@ -2438,7 +2438,7 @@
           <a:p>
             <a:fld id="{B7F5FDCC-6AAC-4A08-B9E0-3793AB5E64C3}" type="datetime2">
               <a:rPr lang="en-US" smtClean="0"/>
-              <a:t>Monday, July 29, 2024</a:t>
+              <a:t>Tuesday, July 30, 2024</a:t>
             </a:fld>
             <a:endParaRPr lang="en-US"/>
           </a:p>
@@ -2726,7 +2726,7 @@
           <a:p>
             <a:fld id="{349FE94D-439C-40F1-900E-BC07940E3988}" type="datetime2">
               <a:rPr lang="en-US" smtClean="0"/>
-              <a:t>Monday, July 29, 2024</a:t>
+              <a:t>Tuesday, July 30, 2024</a:t>
             </a:fld>
             <a:endParaRPr lang="en-US"/>
           </a:p>
@@ -3010,7 +3010,7 @@
           <a:p>
             <a:fld id="{8DEA2CF1-0EB2-4673-802D-3371233E4A77}" type="datetime2">
               <a:rPr lang="en-US" smtClean="0"/>
-              <a:t>Monday, July 29, 2024</a:t>
+              <a:t>Tuesday, July 30, 2024</a:t>
             </a:fld>
             <a:endParaRPr lang="en-US" dirty="0"/>
           </a:p>
@@ -3620,7 +3620,7 @@
           <a:lstStyle/>
           <a:p>
             <a:r>
-              <a:rPr lang="ja-JP" altLang="en-US"/>
+              <a:rPr lang="ja-JP" altLang="en-US" dirty="0"/>
               <a:t> </a:t>
             </a:r>
             <a:r>
@@ -3629,7 +3629,15 @@
             </a:r>
             <a:r>
               <a:rPr lang="ja-JP" altLang="en-US" dirty="0"/>
-              <a:t>あああ</a:t>
+              <a:t>あ</a:t>
+            </a:r>
+            <a:r>
+              <a:rPr lang="en-US" altLang="ja-JP"/>
+              <a:t>vv</a:t>
+            </a:r>
+            <a:r>
+              <a:rPr lang="ja-JP" altLang="en-US"/>
+              <a:t>ああ</a:t>
             </a:r>
             <a:endParaRPr kumimoji="1" lang="ja-JP" altLang="en-US" dirty="0"/>
           </a:p>

--- a/2024quiz/quiz.pptx
+++ b/2024quiz/quiz.pptx
@@ -275,7 +275,7 @@
           <a:p>
             <a:fld id="{2395C5C9-164C-46B3-A87E-7660D39D3106}" type="datetime2">
               <a:rPr lang="en-US" smtClean="0"/>
-              <a:t>Monday, July 29, 2024</a:t>
+              <a:t>Tuesday, July 30, 2024</a:t>
             </a:fld>
             <a:endParaRPr lang="en-US" dirty="0"/>
           </a:p>
@@ -478,7 +478,7 @@
           <a:p>
             <a:fld id="{5B75179A-1E2B-41AB-B400-4F1B4022FAEE}" type="datetime2">
               <a:rPr lang="en-US" smtClean="0"/>
-              <a:t>Monday, July 29, 2024</a:t>
+              <a:t>Tuesday, July 30, 2024</a:t>
             </a:fld>
             <a:endParaRPr lang="en-US"/>
           </a:p>
@@ -691,7 +691,7 @@
           <a:p>
             <a:fld id="{05681D0F-6595-4F14-8EF3-954CD87C797B}" type="datetime2">
               <a:rPr lang="en-US" smtClean="0"/>
-              <a:t>Monday, July 29, 2024</a:t>
+              <a:t>Tuesday, July 30, 2024</a:t>
             </a:fld>
             <a:endParaRPr lang="en-US"/>
           </a:p>
@@ -893,7 +893,7 @@
           <a:p>
             <a:fld id="{4DDCFF8A-AAF8-4A12-8A91-9CA0EAF6CBB9}" type="datetime2">
               <a:rPr lang="en-US" smtClean="0"/>
-              <a:t>Monday, July 29, 2024</a:t>
+              <a:t>Tuesday, July 30, 2024</a:t>
             </a:fld>
             <a:endParaRPr lang="en-US" dirty="0"/>
           </a:p>
@@ -1172,7 +1172,7 @@
           <a:p>
             <a:fld id="{ABCC25C3-021A-4B0B-8F70-0C181FE1CF45}" type="datetime2">
               <a:rPr lang="en-US" smtClean="0"/>
-              <a:t>Monday, July 29, 2024</a:t>
+              <a:t>Tuesday, July 30, 2024</a:t>
             </a:fld>
             <a:endParaRPr lang="en-US"/>
           </a:p>
@@ -1432,7 +1432,7 @@
           <a:p>
             <a:fld id="{0C23D88D-8CEC-4ED9-A53B-5596187D9A16}" type="datetime2">
               <a:rPr lang="en-US" smtClean="0"/>
-              <a:t>Monday, July 29, 2024</a:t>
+              <a:t>Tuesday, July 30, 2024</a:t>
             </a:fld>
             <a:endParaRPr lang="en-US"/>
           </a:p>
@@ -1848,7 +1848,7 @@
           <a:p>
             <a:fld id="{D2CCD382-DFDA-4722-A27A-59C21AD112F2}" type="datetime2">
               <a:rPr lang="en-US" smtClean="0"/>
-              <a:t>Monday, July 29, 2024</a:t>
+              <a:t>Tuesday, July 30, 2024</a:t>
             </a:fld>
             <a:endParaRPr lang="en-US"/>
           </a:p>
@@ -1993,7 +1993,7 @@
           <a:p>
             <a:fld id="{22F2A30D-1C09-413F-AAB1-38F366000715}" type="datetime2">
               <a:rPr lang="en-US" smtClean="0"/>
-              <a:t>Monday, July 29, 2024</a:t>
+              <a:t>Tuesday, July 30, 2024</a:t>
             </a:fld>
             <a:endParaRPr lang="en-US"/>
           </a:p>
@@ -2115,7 +2115,7 @@
           <a:p>
             <a:fld id="{6DB82B9C-D65E-4F64-95C3-B10F3B00F0D9}" type="datetime2">
               <a:rPr lang="en-US" smtClean="0"/>
-              <a:t>Monday, July 29, 2024</a:t>
+              <a:t>Tuesday, July 30, 2024</a:t>
             </a:fld>
             <a:endParaRPr lang="en-US"/>
           </a:p>
@@ -2438,7 +2438,7 @@
           <a:p>
             <a:fld id="{B7F5FDCC-6AAC-4A08-B9E0-3793AB5E64C3}" type="datetime2">
               <a:rPr lang="en-US" smtClean="0"/>
-              <a:t>Monday, July 29, 2024</a:t>
+              <a:t>Tuesday, July 30, 2024</a:t>
             </a:fld>
             <a:endParaRPr lang="en-US"/>
           </a:p>
@@ -2726,7 +2726,7 @@
           <a:p>
             <a:fld id="{349FE94D-439C-40F1-900E-BC07940E3988}" type="datetime2">
               <a:rPr lang="en-US" smtClean="0"/>
-              <a:t>Monday, July 29, 2024</a:t>
+              <a:t>Tuesday, July 30, 2024</a:t>
             </a:fld>
             <a:endParaRPr lang="en-US"/>
           </a:p>
@@ -3010,7 +3010,7 @@
           <a:p>
             <a:fld id="{8DEA2CF1-0EB2-4673-802D-3371233E4A77}" type="datetime2">
               <a:rPr lang="en-US" smtClean="0"/>
-              <a:t>Monday, July 29, 2024</a:t>
+              <a:t>Tuesday, July 30, 2024</a:t>
             </a:fld>
             <a:endParaRPr lang="en-US" dirty="0"/>
           </a:p>
@@ -3620,7 +3620,7 @@
           <a:lstStyle/>
           <a:p>
             <a:r>
-              <a:rPr lang="ja-JP" altLang="en-US"/>
+              <a:rPr lang="ja-JP" altLang="en-US" dirty="0"/>
               <a:t> </a:t>
             </a:r>
             <a:r>
@@ -3629,7 +3629,15 @@
             </a:r>
             <a:r>
               <a:rPr lang="ja-JP" altLang="en-US" dirty="0"/>
-              <a:t>あああ</a:t>
+              <a:t>あ</a:t>
+            </a:r>
+            <a:r>
+              <a:rPr lang="en-US" altLang="ja-JP"/>
+              <a:t>qq</a:t>
+            </a:r>
+            <a:r>
+              <a:rPr lang="ja-JP" altLang="en-US"/>
+              <a:t>ああ</a:t>
             </a:r>
             <a:endParaRPr kumimoji="1" lang="ja-JP" altLang="en-US" dirty="0"/>
           </a:p>

--- a/2024quiz/quiz.pptx
+++ b/2024quiz/quiz.pptx
@@ -275,7 +275,7 @@
           <a:p>
             <a:fld id="{2395C5C9-164C-46B3-A87E-7660D39D3106}" type="datetime2">
               <a:rPr lang="en-US" smtClean="0"/>
-              <a:t>Monday, July 29, 2024</a:t>
+              <a:t>Tuesday, July 30, 2024</a:t>
             </a:fld>
             <a:endParaRPr lang="en-US" dirty="0"/>
           </a:p>
@@ -478,7 +478,7 @@
           <a:p>
             <a:fld id="{5B75179A-1E2B-41AB-B400-4F1B4022FAEE}" type="datetime2">
               <a:rPr lang="en-US" smtClean="0"/>
-              <a:t>Monday, July 29, 2024</a:t>
+              <a:t>Tuesday, July 30, 2024</a:t>
             </a:fld>
             <a:endParaRPr lang="en-US"/>
           </a:p>
@@ -691,7 +691,7 @@
           <a:p>
             <a:fld id="{05681D0F-6595-4F14-8EF3-954CD87C797B}" type="datetime2">
               <a:rPr lang="en-US" smtClean="0"/>
-              <a:t>Monday, July 29, 2024</a:t>
+              <a:t>Tuesday, July 30, 2024</a:t>
             </a:fld>
             <a:endParaRPr lang="en-US"/>
           </a:p>
@@ -893,7 +893,7 @@
           <a:p>
             <a:fld id="{4DDCFF8A-AAF8-4A12-8A91-9CA0EAF6CBB9}" type="datetime2">
               <a:rPr lang="en-US" smtClean="0"/>
-              <a:t>Monday, July 29, 2024</a:t>
+              <a:t>Tuesday, July 30, 2024</a:t>
             </a:fld>
             <a:endParaRPr lang="en-US" dirty="0"/>
           </a:p>
@@ -1172,7 +1172,7 @@
           <a:p>
             <a:fld id="{ABCC25C3-021A-4B0B-8F70-0C181FE1CF45}" type="datetime2">
               <a:rPr lang="en-US" smtClean="0"/>
-              <a:t>Monday, July 29, 2024</a:t>
+              <a:t>Tuesday, July 30, 2024</a:t>
             </a:fld>
             <a:endParaRPr lang="en-US"/>
           </a:p>
@@ -1432,7 +1432,7 @@
           <a:p>
             <a:fld id="{0C23D88D-8CEC-4ED9-A53B-5596187D9A16}" type="datetime2">
               <a:rPr lang="en-US" smtClean="0"/>
-              <a:t>Monday, July 29, 2024</a:t>
+              <a:t>Tuesday, July 30, 2024</a:t>
             </a:fld>
             <a:endParaRPr lang="en-US"/>
           </a:p>
@@ -1848,7 +1848,7 @@
           <a:p>
             <a:fld id="{D2CCD382-DFDA-4722-A27A-59C21AD112F2}" type="datetime2">
               <a:rPr lang="en-US" smtClean="0"/>
-              <a:t>Monday, July 29, 2024</a:t>
+              <a:t>Tuesday, July 30, 2024</a:t>
             </a:fld>
             <a:endParaRPr lang="en-US"/>
           </a:p>
@@ -1993,7 +1993,7 @@
           <a:p>
             <a:fld id="{22F2A30D-1C09-413F-AAB1-38F366000715}" type="datetime2">
               <a:rPr lang="en-US" smtClean="0"/>
-              <a:t>Monday, July 29, 2024</a:t>
+              <a:t>Tuesday, July 30, 2024</a:t>
             </a:fld>
             <a:endParaRPr lang="en-US"/>
           </a:p>
@@ -2115,7 +2115,7 @@
           <a:p>
             <a:fld id="{6DB82B9C-D65E-4F64-95C3-B10F3B00F0D9}" type="datetime2">
               <a:rPr lang="en-US" smtClean="0"/>
-              <a:t>Monday, July 29, 2024</a:t>
+              <a:t>Tuesday, July 30, 2024</a:t>
             </a:fld>
             <a:endParaRPr lang="en-US"/>
           </a:p>
@@ -2438,7 +2438,7 @@
           <a:p>
             <a:fld id="{B7F5FDCC-6AAC-4A08-B9E0-3793AB5E64C3}" type="datetime2">
               <a:rPr lang="en-US" smtClean="0"/>
-              <a:t>Monday, July 29, 2024</a:t>
+              <a:t>Tuesday, July 30, 2024</a:t>
             </a:fld>
             <a:endParaRPr lang="en-US"/>
           </a:p>
@@ -2726,7 +2726,7 @@
           <a:p>
             <a:fld id="{349FE94D-439C-40F1-900E-BC07940E3988}" type="datetime2">
               <a:rPr lang="en-US" smtClean="0"/>
-              <a:t>Monday, July 29, 2024</a:t>
+              <a:t>Tuesday, July 30, 2024</a:t>
             </a:fld>
             <a:endParaRPr lang="en-US"/>
           </a:p>
@@ -3010,7 +3010,7 @@
           <a:p>
             <a:fld id="{8DEA2CF1-0EB2-4673-802D-3371233E4A77}" type="datetime2">
               <a:rPr lang="en-US" smtClean="0"/>
-              <a:t>Monday, July 29, 2024</a:t>
+              <a:t>Tuesday, July 30, 2024</a:t>
             </a:fld>
             <a:endParaRPr lang="en-US" dirty="0"/>
           </a:p>
@@ -3620,7 +3620,7 @@
           <a:lstStyle/>
           <a:p>
             <a:r>
-              <a:rPr lang="ja-JP" altLang="en-US"/>
+              <a:rPr lang="ja-JP" altLang="en-US" dirty="0"/>
               <a:t> </a:t>
             </a:r>
             <a:r>
@@ -3629,7 +3629,15 @@
             </a:r>
             <a:r>
               <a:rPr lang="ja-JP" altLang="en-US" dirty="0"/>
-              <a:t>あああ</a:t>
+              <a:t>あ</a:t>
+            </a:r>
+            <a:r>
+              <a:rPr lang="en-US" altLang="ja-JP"/>
+              <a:t>d</a:t>
+            </a:r>
+            <a:r>
+              <a:rPr lang="ja-JP" altLang="en-US"/>
+              <a:t>ああ</a:t>
             </a:r>
             <a:endParaRPr kumimoji="1" lang="ja-JP" altLang="en-US" dirty="0"/>
           </a:p>

--- a/2024quiz/quiz.pptx
+++ b/2024quiz/quiz.pptx
@@ -3633,10 +3633,10 @@
             </a:r>
             <a:r>
               <a:rPr lang="en-US" altLang="ja-JP"/>
-              <a:t>d</a:t>
-            </a:r>
-            <a:r>
-              <a:rPr lang="ja-JP" altLang="en-US"/>
+              <a:t>rrd</a:t>
+            </a:r>
+            <a:r>
+              <a:rPr lang="ja-JP" altLang="en-US" dirty="0"/>
               <a:t>ああ</a:t>
             </a:r>
             <a:endParaRPr kumimoji="1" lang="ja-JP" altLang="en-US" dirty="0"/>

--- a/2024quiz/quiz.pptx
+++ b/2024quiz/quiz.pptx
@@ -3624,15 +3624,15 @@
               <a:t> </a:t>
             </a:r>
             <a:r>
-              <a:rPr lang="en-US" altLang="ja-JP" dirty="0"/>
-              <a:t>v</a:t>
-            </a:r>
-            <a:r>
-              <a:rPr lang="ja-JP" altLang="en-US" dirty="0"/>
+              <a:rPr lang="en-US" altLang="ja-JP"/>
+              <a:t>vii</a:t>
+            </a:r>
+            <a:r>
+              <a:rPr lang="ja-JP" altLang="en-US"/>
               <a:t>あ</a:t>
             </a:r>
             <a:r>
-              <a:rPr lang="en-US" altLang="ja-JP"/>
+              <a:rPr lang="en-US" altLang="ja-JP" dirty="0" err="1"/>
               <a:t>rrd</a:t>
             </a:r>
             <a:r>

--- a/2024quiz/quiz.pptx
+++ b/2024quiz/quiz.pptx
@@ -3624,16 +3624,16 @@
               <a:t> </a:t>
             </a:r>
             <a:r>
+              <a:rPr lang="en-US" altLang="ja-JP" dirty="0"/>
+              <a:t>vii</a:t>
+            </a:r>
+            <a:r>
+              <a:rPr lang="ja-JP" altLang="en-US" dirty="0"/>
+              <a:t>あ</a:t>
+            </a:r>
+            <a:r>
               <a:rPr lang="en-US" altLang="ja-JP"/>
-              <a:t>vii</a:t>
-            </a:r>
-            <a:r>
-              <a:rPr lang="ja-JP" altLang="en-US"/>
-              <a:t>あ</a:t>
-            </a:r>
-            <a:r>
-              <a:rPr lang="en-US" altLang="ja-JP" dirty="0" err="1"/>
-              <a:t>rrd</a:t>
+              <a:t>rccrd</a:t>
             </a:r>
             <a:r>
               <a:rPr lang="ja-JP" altLang="en-US" dirty="0"/>

--- a/2024quiz/quiz.pptx
+++ b/2024quiz/quiz.pptx
@@ -3624,16 +3624,16 @@
               <a:t> </a:t>
             </a:r>
             <a:r>
+              <a:rPr lang="en-US" altLang="ja-JP" dirty="0"/>
+              <a:t>vii</a:t>
+            </a:r>
+            <a:r>
+              <a:rPr lang="ja-JP" altLang="en-US" dirty="0"/>
+              <a:t>あ</a:t>
+            </a:r>
+            <a:r>
               <a:rPr lang="en-US" altLang="ja-JP"/>
-              <a:t>vii</a:t>
-            </a:r>
-            <a:r>
-              <a:rPr lang="ja-JP" altLang="en-US"/>
-              <a:t>あ</a:t>
-            </a:r>
-            <a:r>
-              <a:rPr lang="en-US" altLang="ja-JP" dirty="0" err="1"/>
-              <a:t>rrd</a:t>
+              <a:t>rffrd</a:t>
             </a:r>
             <a:r>
               <a:rPr lang="ja-JP" altLang="en-US" dirty="0"/>

--- a/2024quiz/quiz.pptx
+++ b/2024quiz/quiz.pptx
@@ -3625,7 +3625,7 @@
             </a:r>
             <a:r>
               <a:rPr lang="en-US" altLang="ja-JP"/>
-              <a:t>vii</a:t>
+              <a:t>viigg</a:t>
             </a:r>
             <a:r>
               <a:rPr lang="ja-JP" altLang="en-US"/>

--- a/2024quiz/quiz.pptx
+++ b/2024quiz/quiz.pptx
@@ -3625,7 +3625,7 @@
             </a:r>
             <a:r>
               <a:rPr lang="en-US" altLang="ja-JP"/>
-              <a:t>vii</a:t>
+              <a:t>viivv</a:t>
             </a:r>
             <a:r>
               <a:rPr lang="ja-JP" altLang="en-US"/>

--- a/2024quiz/quiz.pptx
+++ b/2024quiz/quiz.pptx
@@ -3621,23 +3621,7 @@
           <a:p>
             <a:r>
               <a:rPr lang="ja-JP" altLang="en-US" dirty="0"/>
-              <a:t> </a:t>
-            </a:r>
-            <a:r>
-              <a:rPr lang="en-US" altLang="ja-JP"/>
-              <a:t>vii</a:t>
-            </a:r>
-            <a:r>
-              <a:rPr lang="ja-JP" altLang="en-US"/>
-              <a:t>あ</a:t>
-            </a:r>
-            <a:r>
-              <a:rPr lang="en-US" altLang="ja-JP" dirty="0" err="1"/>
-              <a:t>rrd</a:t>
-            </a:r>
-            <a:r>
-              <a:rPr lang="ja-JP" altLang="en-US" dirty="0"/>
-              <a:t>ああ</a:t>
+              <a:t>あああああ</a:t>
             </a:r>
             <a:endParaRPr kumimoji="1" lang="ja-JP" altLang="en-US" dirty="0"/>
           </a:p>
@@ -3672,9 +3656,10 @@
           <a:lstStyle/>
           <a:p>
             <a:r>
-              <a:rPr kumimoji="1" lang="ja-JP" altLang="en-US" sz="2600" dirty="0"/>
-              <a:t>融合学域パーティーにご参加いただきありがとうございます！</a:t>
-            </a:r>
+              <a:rPr kumimoji="1" lang="ja-JP" altLang="en-US" sz="2600"/>
+              <a:t>ああああああ</a:t>
+            </a:r>
+            <a:endParaRPr kumimoji="1" lang="ja-JP" altLang="en-US" sz="2600" dirty="0"/>
           </a:p>
         </p:txBody>
       </p:sp>

--- a/2024quiz/quiz.pptx
+++ b/2024quiz/quiz.pptx
@@ -3620,8 +3620,16 @@
           <a:lstStyle/>
           <a:p>
             <a:r>
+              <a:rPr lang="en-US" altLang="ja-JP"/>
+              <a:t>aaaa</a:t>
+            </a:r>
+            <a:r>
+              <a:rPr lang="ja-JP" altLang="en-US"/>
+              <a:t>あ</a:t>
+            </a:r>
+            <a:r>
               <a:rPr lang="ja-JP" altLang="en-US" dirty="0"/>
-              <a:t>あああああ</a:t>
+              <a:t>ああああ</a:t>
             </a:r>
             <a:endParaRPr kumimoji="1" lang="ja-JP" altLang="en-US" dirty="0"/>
           </a:p>

--- a/2024quiz/quiz.pptx
+++ b/2024quiz/quiz.pptx
@@ -3621,15 +3621,11 @@
           <a:p>
             <a:r>
               <a:rPr lang="en-US" altLang="ja-JP"/>
-              <a:t>aaaa</a:t>
-            </a:r>
-            <a:r>
-              <a:rPr lang="ja-JP" altLang="en-US"/>
-              <a:t>あ</a:t>
+              <a:t>---aaaa</a:t>
             </a:r>
             <a:r>
               <a:rPr lang="ja-JP" altLang="en-US" dirty="0"/>
-              <a:t>ああああ</a:t>
+              <a:t>あああああ</a:t>
             </a:r>
             <a:endParaRPr kumimoji="1" lang="ja-JP" altLang="en-US" dirty="0"/>
           </a:p>

--- a/2024quiz/quiz.pptx
+++ b/2024quiz/quiz.pptx
@@ -3621,7 +3621,11 @@
           <a:p>
             <a:r>
               <a:rPr lang="en-US" altLang="ja-JP"/>
-              <a:t>---aaaa</a:t>
+              <a:t>-</a:t>
+            </a:r>
+            <a:r>
+              <a:rPr lang="en-US" altLang="ja-JP" dirty="0" err="1"/>
+              <a:t>aaaa</a:t>
             </a:r>
             <a:r>
               <a:rPr lang="ja-JP" altLang="en-US" dirty="0"/>

--- a/2024quiz/quiz.pptx
+++ b/2024quiz/quiz.pptx
@@ -3621,11 +3621,7 @@
           <a:p>
             <a:r>
               <a:rPr lang="en-US" altLang="ja-JP"/>
-              <a:t>-</a:t>
-            </a:r>
-            <a:r>
-              <a:rPr lang="en-US" altLang="ja-JP" dirty="0" err="1"/>
-              <a:t>aaaa</a:t>
+              <a:t>aa</a:t>
             </a:r>
             <a:r>
               <a:rPr lang="ja-JP" altLang="en-US" dirty="0"/>

--- a/2024quiz/quiz.pptx
+++ b/2024quiz/quiz.pptx
@@ -3624,8 +3624,12 @@
               <a:t>aa</a:t>
             </a:r>
             <a:r>
+              <a:rPr lang="ja-JP" altLang="en-US"/>
+              <a:t>ああ</a:t>
+            </a:r>
+            <a:r>
               <a:rPr lang="ja-JP" altLang="en-US" dirty="0"/>
-              <a:t>あああああ</a:t>
+              <a:t>ああ</a:t>
             </a:r>
             <a:endParaRPr kumimoji="1" lang="ja-JP" altLang="en-US" dirty="0"/>
           </a:p>

--- a/2024quiz/quiz.pptx
+++ b/2024quiz/quiz.pptx
@@ -3620,15 +3620,19 @@
           <a:lstStyle/>
           <a:p>
             <a:r>
+              <a:rPr lang="en-US" altLang="ja-JP" dirty="0"/>
+              <a:t>aa</a:t>
+            </a:r>
+            <a:r>
+              <a:rPr lang="ja-JP" altLang="en-US" dirty="0"/>
+              <a:t>ああ</a:t>
+            </a:r>
+            <a:r>
               <a:rPr lang="en-US" altLang="ja-JP"/>
               <a:t>aa</a:t>
             </a:r>
             <a:r>
               <a:rPr lang="ja-JP" altLang="en-US"/>
-              <a:t>ああ</a:t>
-            </a:r>
-            <a:r>
-              <a:rPr lang="ja-JP" altLang="en-US" dirty="0"/>
               <a:t>ああ</a:t>
             </a:r>
             <a:endParaRPr kumimoji="1" lang="ja-JP" altLang="en-US" dirty="0"/>

--- a/2024quiz/quiz.pptx
+++ b/2024quiz/quiz.pptx
@@ -3620,16 +3620,16 @@
           <a:lstStyle/>
           <a:p>
             <a:r>
+              <a:rPr lang="ja-JP" altLang="en-US"/>
+              <a:t>うう</a:t>
+            </a:r>
+            <a:r>
               <a:rPr lang="en-US" altLang="ja-JP"/>
               <a:t>aa</a:t>
             </a:r>
             <a:r>
-              <a:rPr lang="ja-JP" altLang="en-US"/>
-              <a:t>ああ</a:t>
-            </a:r>
-            <a:r>
               <a:rPr lang="ja-JP" altLang="en-US" dirty="0"/>
-              <a:t>ああ</a:t>
+              <a:t>ああああ</a:t>
             </a:r>
             <a:endParaRPr kumimoji="1" lang="ja-JP" altLang="en-US" dirty="0"/>
           </a:p>

--- a/2024quiz/quiz.pptx
+++ b/2024quiz/quiz.pptx
@@ -6,21 +6,22 @@
   </p:sldMasterIdLst>
   <p:sldIdLst>
     <p:sldId id="256" r:id="rId2"/>
+    <p:sldId id="257" r:id="rId3"/>
   </p:sldIdLst>
   <p:sldSz cx="12192000" cy="6858000"/>
   <p:notesSz cx="6858000" cy="9144000"/>
   <p:embeddedFontLst>
     <p:embeddedFont>
       <p:font typeface="Yu Gothic Medium" panose="020B0500000000000000" pitchFamily="50" charset="-128"/>
-      <p:regular r:id="rId3"/>
+      <p:regular r:id="rId4"/>
     </p:embeddedFont>
     <p:embeddedFont>
       <p:font typeface="Yu Mincho Demibold" panose="02020600000000000000" pitchFamily="18" charset="-128"/>
-      <p:bold r:id="rId4"/>
+      <p:bold r:id="rId5"/>
     </p:embeddedFont>
     <p:embeddedFont>
       <p:font typeface="The Hand Extrablack" panose="03070A02030502020204" pitchFamily="66" charset="0"/>
-      <p:bold r:id="rId5"/>
+      <p:bold r:id="rId6"/>
     </p:embeddedFont>
   </p:embeddedFontLst>
   <p:defaultTextStyle>
@@ -5156,6 +5157,86 @@
 </p:sld>
 </file>
 
+<file path=ppt/slides/slide2.xml><?xml version="1.0" encoding="utf-8"?>
+<p:sld xmlns:a="http://schemas.openxmlformats.org/drawingml/2006/main" xmlns:r="http://schemas.openxmlformats.org/officeDocument/2006/relationships" xmlns:p="http://schemas.openxmlformats.org/presentationml/2006/main">
+  <p:cSld>
+    <p:spTree>
+      <p:nvGrpSpPr>
+        <p:cNvPr id="1" name=""/>
+        <p:cNvGrpSpPr/>
+        <p:nvPr/>
+      </p:nvGrpSpPr>
+      <p:grpSpPr>
+        <a:xfrm>
+          <a:off x="0" y="0"/>
+          <a:ext cx="0" cy="0"/>
+          <a:chOff x="0" y="0"/>
+          <a:chExt cx="0" cy="0"/>
+        </a:xfrm>
+      </p:grpSpPr>
+      <p:sp>
+        <p:nvSpPr>
+          <p:cNvPr id="2" name="タイトル 1">
+            <a:extLst>
+              <a:ext uri="{FF2B5EF4-FFF2-40B4-BE49-F238E27FC236}">
+                <a16:creationId xmlns:a16="http://schemas.microsoft.com/office/drawing/2014/main" id="{8CAABA52-B90E-1437-7F1C-53247C974E30}"/>
+              </a:ext>
+            </a:extLst>
+          </p:cNvPr>
+          <p:cNvSpPr>
+            <a:spLocks noGrp="1"/>
+          </p:cNvSpPr>
+          <p:nvPr>
+            <p:ph type="title"/>
+          </p:nvPr>
+        </p:nvSpPr>
+        <p:spPr/>
+        <p:txBody>
+          <a:bodyPr/>
+          <a:lstStyle/>
+          <a:p>
+            <a:endParaRPr kumimoji="1" lang="ja-JP" altLang="en-US"/>
+          </a:p>
+        </p:txBody>
+      </p:sp>
+      <p:sp>
+        <p:nvSpPr>
+          <p:cNvPr id="3" name="コンテンツ プレースホルダー 2">
+            <a:extLst>
+              <a:ext uri="{FF2B5EF4-FFF2-40B4-BE49-F238E27FC236}">
+                <a16:creationId xmlns:a16="http://schemas.microsoft.com/office/drawing/2014/main" id="{9B2388FA-416F-497E-D4F1-A36FAF48765F}"/>
+              </a:ext>
+            </a:extLst>
+          </p:cNvPr>
+          <p:cNvSpPr>
+            <a:spLocks noGrp="1"/>
+          </p:cNvSpPr>
+          <p:nvPr>
+            <p:ph idx="1"/>
+          </p:nvPr>
+        </p:nvSpPr>
+        <p:spPr/>
+        <p:txBody>
+          <a:bodyPr/>
+          <a:lstStyle/>
+          <a:p>
+            <a:endParaRPr kumimoji="1" lang="ja-JP" altLang="en-US"/>
+          </a:p>
+        </p:txBody>
+      </p:sp>
+    </p:spTree>
+    <p:extLst>
+      <p:ext uri="{BB962C8B-B14F-4D97-AF65-F5344CB8AC3E}">
+        <p14:creationId xmlns:p14="http://schemas.microsoft.com/office/powerpoint/2010/main" val="1301183733"/>
+      </p:ext>
+    </p:extLst>
+  </p:cSld>
+  <p:clrMapOvr>
+    <a:masterClrMapping/>
+  </p:clrMapOvr>
+</p:sld>
+</file>
+
 <file path=ppt/theme/theme1.xml><?xml version="1.0" encoding="utf-8"?>
 <a:theme xmlns:a="http://schemas.openxmlformats.org/drawingml/2006/main" name="BlobVTI">
   <a:themeElements>

--- a/2024quiz/quiz.pptx
+++ b/2024quiz/quiz.pptx
@@ -7,21 +7,22 @@
   <p:sldIdLst>
     <p:sldId id="256" r:id="rId2"/>
     <p:sldId id="257" r:id="rId3"/>
+    <p:sldId id="258" r:id="rId4"/>
   </p:sldIdLst>
   <p:sldSz cx="12192000" cy="6858000"/>
   <p:notesSz cx="6858000" cy="9144000"/>
   <p:embeddedFontLst>
     <p:embeddedFont>
       <p:font typeface="Yu Gothic Medium" panose="020B0500000000000000" pitchFamily="50" charset="-128"/>
-      <p:regular r:id="rId4"/>
+      <p:regular r:id="rId5"/>
     </p:embeddedFont>
     <p:embeddedFont>
       <p:font typeface="Yu Mincho Demibold" panose="02020600000000000000" pitchFamily="18" charset="-128"/>
-      <p:bold r:id="rId5"/>
+      <p:bold r:id="rId6"/>
     </p:embeddedFont>
     <p:embeddedFont>
       <p:font typeface="The Hand Extrablack" panose="03070A02030502020204" pitchFamily="66" charset="0"/>
-      <p:bold r:id="rId6"/>
+      <p:bold r:id="rId7"/>
     </p:embeddedFont>
   </p:embeddedFontLst>
   <p:defaultTextStyle>
@@ -3621,14 +3622,6 @@
           <a:lstStyle/>
           <a:p>
             <a:r>
-              <a:rPr lang="ja-JP" altLang="en-US"/>
-              <a:t>うう</a:t>
-            </a:r>
-            <a:r>
-              <a:rPr lang="en-US" altLang="ja-JP"/>
-              <a:t>aa</a:t>
-            </a:r>
-            <a:r>
               <a:rPr lang="ja-JP" altLang="en-US" dirty="0"/>
               <a:t>ああああ</a:t>
             </a:r>
@@ -5195,7 +5188,10 @@
           <a:bodyPr/>
           <a:lstStyle/>
           <a:p>
-            <a:endParaRPr kumimoji="1" lang="ja-JP" altLang="en-US"/>
+            <a:r>
+              <a:rPr kumimoji="1" lang="ja-JP" altLang="en-US" dirty="0"/>
+              <a:t>あああああ</a:t>
+            </a:r>
           </a:p>
         </p:txBody>
       </p:sp>
@@ -5228,6 +5224,89 @@
     <p:extLst>
       <p:ext uri="{BB962C8B-B14F-4D97-AF65-F5344CB8AC3E}">
         <p14:creationId xmlns:p14="http://schemas.microsoft.com/office/powerpoint/2010/main" val="1301183733"/>
+      </p:ext>
+    </p:extLst>
+  </p:cSld>
+  <p:clrMapOvr>
+    <a:masterClrMapping/>
+  </p:clrMapOvr>
+</p:sld>
+</file>
+
+<file path=ppt/slides/slide3.xml><?xml version="1.0" encoding="utf-8"?>
+<p:sld xmlns:a="http://schemas.openxmlformats.org/drawingml/2006/main" xmlns:r="http://schemas.openxmlformats.org/officeDocument/2006/relationships" xmlns:p="http://schemas.openxmlformats.org/presentationml/2006/main">
+  <p:cSld>
+    <p:spTree>
+      <p:nvGrpSpPr>
+        <p:cNvPr id="1" name=""/>
+        <p:cNvGrpSpPr/>
+        <p:nvPr/>
+      </p:nvGrpSpPr>
+      <p:grpSpPr>
+        <a:xfrm>
+          <a:off x="0" y="0"/>
+          <a:ext cx="0" cy="0"/>
+          <a:chOff x="0" y="0"/>
+          <a:chExt cx="0" cy="0"/>
+        </a:xfrm>
+      </p:grpSpPr>
+      <p:sp>
+        <p:nvSpPr>
+          <p:cNvPr id="2" name="タイトル 1">
+            <a:extLst>
+              <a:ext uri="{FF2B5EF4-FFF2-40B4-BE49-F238E27FC236}">
+                <a16:creationId xmlns:a16="http://schemas.microsoft.com/office/drawing/2014/main" id="{5A5B47DA-AEC9-4B49-7808-42D16780C8BD}"/>
+              </a:ext>
+            </a:extLst>
+          </p:cNvPr>
+          <p:cNvSpPr>
+            <a:spLocks noGrp="1"/>
+          </p:cNvSpPr>
+          <p:nvPr>
+            <p:ph type="title"/>
+          </p:nvPr>
+        </p:nvSpPr>
+        <p:spPr/>
+        <p:txBody>
+          <a:bodyPr/>
+          <a:lstStyle/>
+          <a:p>
+            <a:r>
+              <a:rPr kumimoji="1" lang="ja-JP" altLang="en-US"/>
+              <a:t>あああ</a:t>
+            </a:r>
+          </a:p>
+        </p:txBody>
+      </p:sp>
+      <p:sp>
+        <p:nvSpPr>
+          <p:cNvPr id="3" name="コンテンツ プレースホルダー 2">
+            <a:extLst>
+              <a:ext uri="{FF2B5EF4-FFF2-40B4-BE49-F238E27FC236}">
+                <a16:creationId xmlns:a16="http://schemas.microsoft.com/office/drawing/2014/main" id="{EA91B43E-E076-3A34-A7FB-B0B5ECD95F10}"/>
+              </a:ext>
+            </a:extLst>
+          </p:cNvPr>
+          <p:cNvSpPr>
+            <a:spLocks noGrp="1"/>
+          </p:cNvSpPr>
+          <p:nvPr>
+            <p:ph idx="1"/>
+          </p:nvPr>
+        </p:nvSpPr>
+        <p:spPr/>
+        <p:txBody>
+          <a:bodyPr/>
+          <a:lstStyle/>
+          <a:p>
+            <a:endParaRPr kumimoji="1" lang="ja-JP" altLang="en-US"/>
+          </a:p>
+        </p:txBody>
+      </p:sp>
+    </p:spTree>
+    <p:extLst>
+      <p:ext uri="{BB962C8B-B14F-4D97-AF65-F5344CB8AC3E}">
+        <p14:creationId xmlns:p14="http://schemas.microsoft.com/office/powerpoint/2010/main" val="2824063084"/>
       </p:ext>
     </p:extLst>
   </p:cSld>
